--- a/15 - Arquitetura de Negócio para cada Cenário.pptx
+++ b/15 - Arquitetura de Negócio para cada Cenário.pptx
@@ -119,7 +119,7 @@
 <file path=ppt/revisionInfo.xml><?xml version="1.0" encoding="utf-8"?>
 <p1510:revInfo xmlns:a="http://schemas.openxmlformats.org/drawingml/2006/main" xmlns:r="http://schemas.openxmlformats.org/officeDocument/2006/relationships" xmlns:p1510="http://schemas.microsoft.com/office/powerpoint/2015/10/main">
   <p1510:revLst>
-    <p1510:client id="{476E1928-039A-4135-8C1B-57828C9CB4C7}" v="3" dt="2020-09-24T00:14:38.201"/>
+    <p1510:client id="{63C5D581-3F92-4D5D-8F87-503E35539F5A}" v="2" dt="2020-11-09T21:28:21.308"/>
   </p1510:revLst>
 </p1510:revInfo>
 </file>
@@ -498,6 +498,30 @@
     </pc:docChg>
   </pc:docChgLst>
   <pc:docChgLst>
+    <pc:chgData name="Rafael Izukawa" userId="8cd3af5bce398e7e" providerId="LiveId" clId="{63C5D581-3F92-4D5D-8F87-503E35539F5A}"/>
+    <pc:docChg chg="modSld">
+      <pc:chgData name="Rafael Izukawa" userId="8cd3af5bce398e7e" providerId="LiveId" clId="{63C5D581-3F92-4D5D-8F87-503E35539F5A}" dt="2020-11-09T21:28:23.740" v="2" actId="20577"/>
+      <pc:docMkLst>
+        <pc:docMk/>
+      </pc:docMkLst>
+      <pc:sldChg chg="modSp mod">
+        <pc:chgData name="Rafael Izukawa" userId="8cd3af5bce398e7e" providerId="LiveId" clId="{63C5D581-3F92-4D5D-8F87-503E35539F5A}" dt="2020-11-09T21:28:23.740" v="2" actId="20577"/>
+        <pc:sldMkLst>
+          <pc:docMk/>
+          <pc:sldMk cId="2692459707" sldId="260"/>
+        </pc:sldMkLst>
+        <pc:spChg chg="mod">
+          <ac:chgData name="Rafael Izukawa" userId="8cd3af5bce398e7e" providerId="LiveId" clId="{63C5D581-3F92-4D5D-8F87-503E35539F5A}" dt="2020-11-09T21:28:23.740" v="2" actId="20577"/>
+          <ac:spMkLst>
+            <pc:docMk/>
+            <pc:sldMk cId="2692459707" sldId="260"/>
+            <ac:spMk id="13" creationId="{A9EE9E26-6BDB-40E3-AC86-DC7876C4BC17}"/>
+          </ac:spMkLst>
+        </pc:spChg>
+      </pc:sldChg>
+    </pc:docChg>
+  </pc:docChgLst>
+  <pc:docChgLst>
     <pc:chgData name="Rafael Izukawa" userId="8cd3af5bce398e7e" providerId="LiveId" clId="{476E1928-039A-4135-8C1B-57828C9CB4C7}"/>
     <pc:docChg chg="undo custSel addSld modSld sldOrd">
       <pc:chgData name="Rafael Izukawa" userId="8cd3af5bce398e7e" providerId="LiveId" clId="{476E1928-039A-4135-8C1B-57828C9CB4C7}" dt="2020-09-24T00:15:46.850" v="192" actId="1076"/>
@@ -781,7 +805,7 @@
           <a:p>
             <a:fld id="{E5032764-77C1-4722-B4BE-181502081668}" type="datetimeFigureOut">
               <a:rPr lang="pt-BR" smtClean="0"/>
-              <a:t>23/09/2020</a:t>
+              <a:t>09/11/2020</a:t>
             </a:fld>
             <a:endParaRPr lang="pt-BR"/>
           </a:p>
@@ -979,7 +1003,7 @@
           <a:p>
             <a:fld id="{E5032764-77C1-4722-B4BE-181502081668}" type="datetimeFigureOut">
               <a:rPr lang="pt-BR" smtClean="0"/>
-              <a:t>23/09/2020</a:t>
+              <a:t>09/11/2020</a:t>
             </a:fld>
             <a:endParaRPr lang="pt-BR"/>
           </a:p>
@@ -1187,7 +1211,7 @@
           <a:p>
             <a:fld id="{E5032764-77C1-4722-B4BE-181502081668}" type="datetimeFigureOut">
               <a:rPr lang="pt-BR" smtClean="0"/>
-              <a:t>23/09/2020</a:t>
+              <a:t>09/11/2020</a:t>
             </a:fld>
             <a:endParaRPr lang="pt-BR"/>
           </a:p>
@@ -1385,7 +1409,7 @@
           <a:p>
             <a:fld id="{E5032764-77C1-4722-B4BE-181502081668}" type="datetimeFigureOut">
               <a:rPr lang="pt-BR" smtClean="0"/>
-              <a:t>23/09/2020</a:t>
+              <a:t>09/11/2020</a:t>
             </a:fld>
             <a:endParaRPr lang="pt-BR"/>
           </a:p>
@@ -1660,7 +1684,7 @@
           <a:p>
             <a:fld id="{E5032764-77C1-4722-B4BE-181502081668}" type="datetimeFigureOut">
               <a:rPr lang="pt-BR" smtClean="0"/>
-              <a:t>23/09/2020</a:t>
+              <a:t>09/11/2020</a:t>
             </a:fld>
             <a:endParaRPr lang="pt-BR"/>
           </a:p>
@@ -1925,7 +1949,7 @@
           <a:p>
             <a:fld id="{E5032764-77C1-4722-B4BE-181502081668}" type="datetimeFigureOut">
               <a:rPr lang="pt-BR" smtClean="0"/>
-              <a:t>23/09/2020</a:t>
+              <a:t>09/11/2020</a:t>
             </a:fld>
             <a:endParaRPr lang="pt-BR"/>
           </a:p>
@@ -2337,7 +2361,7 @@
           <a:p>
             <a:fld id="{E5032764-77C1-4722-B4BE-181502081668}" type="datetimeFigureOut">
               <a:rPr lang="pt-BR" smtClean="0"/>
-              <a:t>23/09/2020</a:t>
+              <a:t>09/11/2020</a:t>
             </a:fld>
             <a:endParaRPr lang="pt-BR"/>
           </a:p>
@@ -2478,7 +2502,7 @@
           <a:p>
             <a:fld id="{E5032764-77C1-4722-B4BE-181502081668}" type="datetimeFigureOut">
               <a:rPr lang="pt-BR" smtClean="0"/>
-              <a:t>23/09/2020</a:t>
+              <a:t>09/11/2020</a:t>
             </a:fld>
             <a:endParaRPr lang="pt-BR"/>
           </a:p>
@@ -2591,7 +2615,7 @@
           <a:p>
             <a:fld id="{E5032764-77C1-4722-B4BE-181502081668}" type="datetimeFigureOut">
               <a:rPr lang="pt-BR" smtClean="0"/>
-              <a:t>23/09/2020</a:t>
+              <a:t>09/11/2020</a:t>
             </a:fld>
             <a:endParaRPr lang="pt-BR"/>
           </a:p>
@@ -2902,7 +2926,7 @@
           <a:p>
             <a:fld id="{E5032764-77C1-4722-B4BE-181502081668}" type="datetimeFigureOut">
               <a:rPr lang="pt-BR" smtClean="0"/>
-              <a:t>23/09/2020</a:t>
+              <a:t>09/11/2020</a:t>
             </a:fld>
             <a:endParaRPr lang="pt-BR"/>
           </a:p>
@@ -3190,7 +3214,7 @@
           <a:p>
             <a:fld id="{E5032764-77C1-4722-B4BE-181502081668}" type="datetimeFigureOut">
               <a:rPr lang="pt-BR" smtClean="0"/>
-              <a:t>23/09/2020</a:t>
+              <a:t>09/11/2020</a:t>
             </a:fld>
             <a:endParaRPr lang="pt-BR"/>
           </a:p>
@@ -3431,7 +3455,7 @@
           <a:p>
             <a:fld id="{E5032764-77C1-4722-B4BE-181502081668}" type="datetimeFigureOut">
               <a:rPr lang="pt-BR" smtClean="0"/>
-              <a:t>23/09/2020</a:t>
+              <a:t>09/11/2020</a:t>
             </a:fld>
             <a:endParaRPr lang="pt-BR"/>
           </a:p>
@@ -4946,7 +4970,7 @@
             <a:pPr algn="ctr"/>
             <a:r>
               <a:rPr lang="pt-BR" sz="1400" dirty="0"/>
-              <a:t>Tratar troca de produto</a:t>
+              <a:t>Tratar troca do produto</a:t>
             </a:r>
           </a:p>
         </p:txBody>

--- a/15 - Arquitetura de Negócio para cada Cenário.pptx
+++ b/15 - Arquitetura de Negócio para cada Cenário.pptx
@@ -499,11 +499,26 @@
   </pc:docChgLst>
   <pc:docChgLst>
     <pc:chgData name="Rafael Izukawa" userId="8cd3af5bce398e7e" providerId="LiveId" clId="{63C5D581-3F92-4D5D-8F87-503E35539F5A}"/>
-    <pc:docChg chg="modSld">
-      <pc:chgData name="Rafael Izukawa" userId="8cd3af5bce398e7e" providerId="LiveId" clId="{63C5D581-3F92-4D5D-8F87-503E35539F5A}" dt="2020-11-09T21:28:23.740" v="2" actId="20577"/>
+    <pc:docChg chg="undo custSel modSld">
+      <pc:chgData name="Rafael Izukawa" userId="8cd3af5bce398e7e" providerId="LiveId" clId="{63C5D581-3F92-4D5D-8F87-503E35539F5A}" dt="2020-11-19T00:02:04.265" v="32" actId="20577"/>
       <pc:docMkLst>
         <pc:docMk/>
       </pc:docMkLst>
+      <pc:sldChg chg="modSp mod">
+        <pc:chgData name="Rafael Izukawa" userId="8cd3af5bce398e7e" providerId="LiveId" clId="{63C5D581-3F92-4D5D-8F87-503E35539F5A}" dt="2020-11-19T00:02:04.265" v="32" actId="20577"/>
+        <pc:sldMkLst>
+          <pc:docMk/>
+          <pc:sldMk cId="357194282" sldId="259"/>
+        </pc:sldMkLst>
+        <pc:spChg chg="mod">
+          <ac:chgData name="Rafael Izukawa" userId="8cd3af5bce398e7e" providerId="LiveId" clId="{63C5D581-3F92-4D5D-8F87-503E35539F5A}" dt="2020-11-19T00:02:04.265" v="32" actId="20577"/>
+          <ac:spMkLst>
+            <pc:docMk/>
+            <pc:sldMk cId="357194282" sldId="259"/>
+            <ac:spMk id="13" creationId="{A9EE9E26-6BDB-40E3-AC86-DC7876C4BC17}"/>
+          </ac:spMkLst>
+        </pc:spChg>
+      </pc:sldChg>
       <pc:sldChg chg="modSp mod">
         <pc:chgData name="Rafael Izukawa" userId="8cd3af5bce398e7e" providerId="LiveId" clId="{63C5D581-3F92-4D5D-8F87-503E35539F5A}" dt="2020-11-09T21:28:23.740" v="2" actId="20577"/>
         <pc:sldMkLst>
@@ -805,7 +820,7 @@
           <a:p>
             <a:fld id="{E5032764-77C1-4722-B4BE-181502081668}" type="datetimeFigureOut">
               <a:rPr lang="pt-BR" smtClean="0"/>
-              <a:t>09/11/2020</a:t>
+              <a:t>18/11/2020</a:t>
             </a:fld>
             <a:endParaRPr lang="pt-BR"/>
           </a:p>
@@ -1003,7 +1018,7 @@
           <a:p>
             <a:fld id="{E5032764-77C1-4722-B4BE-181502081668}" type="datetimeFigureOut">
               <a:rPr lang="pt-BR" smtClean="0"/>
-              <a:t>09/11/2020</a:t>
+              <a:t>18/11/2020</a:t>
             </a:fld>
             <a:endParaRPr lang="pt-BR"/>
           </a:p>
@@ -1211,7 +1226,7 @@
           <a:p>
             <a:fld id="{E5032764-77C1-4722-B4BE-181502081668}" type="datetimeFigureOut">
               <a:rPr lang="pt-BR" smtClean="0"/>
-              <a:t>09/11/2020</a:t>
+              <a:t>18/11/2020</a:t>
             </a:fld>
             <a:endParaRPr lang="pt-BR"/>
           </a:p>
@@ -1409,7 +1424,7 @@
           <a:p>
             <a:fld id="{E5032764-77C1-4722-B4BE-181502081668}" type="datetimeFigureOut">
               <a:rPr lang="pt-BR" smtClean="0"/>
-              <a:t>09/11/2020</a:t>
+              <a:t>18/11/2020</a:t>
             </a:fld>
             <a:endParaRPr lang="pt-BR"/>
           </a:p>
@@ -1684,7 +1699,7 @@
           <a:p>
             <a:fld id="{E5032764-77C1-4722-B4BE-181502081668}" type="datetimeFigureOut">
               <a:rPr lang="pt-BR" smtClean="0"/>
-              <a:t>09/11/2020</a:t>
+              <a:t>18/11/2020</a:t>
             </a:fld>
             <a:endParaRPr lang="pt-BR"/>
           </a:p>
@@ -1949,7 +1964,7 @@
           <a:p>
             <a:fld id="{E5032764-77C1-4722-B4BE-181502081668}" type="datetimeFigureOut">
               <a:rPr lang="pt-BR" smtClean="0"/>
-              <a:t>09/11/2020</a:t>
+              <a:t>18/11/2020</a:t>
             </a:fld>
             <a:endParaRPr lang="pt-BR"/>
           </a:p>
@@ -2361,7 +2376,7 @@
           <a:p>
             <a:fld id="{E5032764-77C1-4722-B4BE-181502081668}" type="datetimeFigureOut">
               <a:rPr lang="pt-BR" smtClean="0"/>
-              <a:t>09/11/2020</a:t>
+              <a:t>18/11/2020</a:t>
             </a:fld>
             <a:endParaRPr lang="pt-BR"/>
           </a:p>
@@ -2502,7 +2517,7 @@
           <a:p>
             <a:fld id="{E5032764-77C1-4722-B4BE-181502081668}" type="datetimeFigureOut">
               <a:rPr lang="pt-BR" smtClean="0"/>
-              <a:t>09/11/2020</a:t>
+              <a:t>18/11/2020</a:t>
             </a:fld>
             <a:endParaRPr lang="pt-BR"/>
           </a:p>
@@ -2615,7 +2630,7 @@
           <a:p>
             <a:fld id="{E5032764-77C1-4722-B4BE-181502081668}" type="datetimeFigureOut">
               <a:rPr lang="pt-BR" smtClean="0"/>
-              <a:t>09/11/2020</a:t>
+              <a:t>18/11/2020</a:t>
             </a:fld>
             <a:endParaRPr lang="pt-BR"/>
           </a:p>
@@ -2926,7 +2941,7 @@
           <a:p>
             <a:fld id="{E5032764-77C1-4722-B4BE-181502081668}" type="datetimeFigureOut">
               <a:rPr lang="pt-BR" smtClean="0"/>
-              <a:t>09/11/2020</a:t>
+              <a:t>18/11/2020</a:t>
             </a:fld>
             <a:endParaRPr lang="pt-BR"/>
           </a:p>
@@ -3214,7 +3229,7 @@
           <a:p>
             <a:fld id="{E5032764-77C1-4722-B4BE-181502081668}" type="datetimeFigureOut">
               <a:rPr lang="pt-BR" smtClean="0"/>
-              <a:t>09/11/2020</a:t>
+              <a:t>18/11/2020</a:t>
             </a:fld>
             <a:endParaRPr lang="pt-BR"/>
           </a:p>
@@ -3455,7 +3470,7 @@
           <a:p>
             <a:fld id="{E5032764-77C1-4722-B4BE-181502081668}" type="datetimeFigureOut">
               <a:rPr lang="pt-BR" smtClean="0"/>
-              <a:t>09/11/2020</a:t>
+              <a:t>18/11/2020</a:t>
             </a:fld>
             <a:endParaRPr lang="pt-BR"/>
           </a:p>
@@ -4538,15 +4553,7 @@
             <a:pPr algn="ctr"/>
             <a:r>
               <a:rPr lang="pt-BR" sz="1400" dirty="0"/>
-              <a:t>Tratar </a:t>
-            </a:r>
-            <a:r>
-              <a:rPr lang="pt-BR" sz="1400"/>
-              <a:t>a compra </a:t>
-            </a:r>
-            <a:r>
-              <a:rPr lang="pt-BR" sz="1400" dirty="0"/>
-              <a:t>produto</a:t>
+              <a:t>Tratar venda do produto</a:t>
             </a:r>
           </a:p>
         </p:txBody>
